--- a/docs/Zwischenpräsentation Jan/Präsentation Bavariathek.pptx
+++ b/docs/Zwischenpräsentation Jan/Präsentation Bavariathek.pptx
@@ -5,10 +5,10 @@
     <p:sldMasterId id="2147483648" r:id="rId1"/>
   </p:sldMasterIdLst>
   <p:notesMasterIdLst>
-    <p:notesMasterId r:id="rId12"/>
+    <p:notesMasterId r:id="rId13"/>
   </p:notesMasterIdLst>
   <p:handoutMasterIdLst>
-    <p:handoutMasterId r:id="rId13"/>
+    <p:handoutMasterId r:id="rId14"/>
   </p:handoutMasterIdLst>
   <p:sldIdLst>
     <p:sldId id="258" r:id="rId2"/>
@@ -21,6 +21,7 @@
     <p:sldId id="265" r:id="rId9"/>
     <p:sldId id="266" r:id="rId10"/>
     <p:sldId id="267" r:id="rId11"/>
+    <p:sldId id="268" r:id="rId12"/>
   </p:sldIdLst>
   <p:sldSz cx="9144000" cy="6858000" type="screen4x3"/>
   <p:notesSz cx="6858000" cy="9144000"/>
@@ -134,6 +135,7 @@
             <p14:sldId id="265"/>
             <p14:sldId id="266"/>
             <p14:sldId id="267"/>
+            <p14:sldId id="268"/>
           </p14:sldIdLst>
         </p14:section>
       </p14:sectionLst>
@@ -840,6 +842,83 @@
               <a:t>Vorschaubild des Museumskomplex</a:t>
             </a:r>
           </a:p>
+          <a:p>
+            <a:r>
+              <a:rPr lang="de-DE" dirty="0"/>
+              <a:t>: Eröffnung </a:t>
+            </a:r>
+            <a:r>
+              <a:rPr lang="de-DE" dirty="0" err="1"/>
+              <a:t>vorraussichtlich</a:t>
+            </a:r>
+            <a:r>
+              <a:rPr lang="de-DE" dirty="0"/>
+              <a:t> Mai 2019</a:t>
+            </a:r>
+          </a:p>
+          <a:p>
+            <a:r>
+              <a:rPr lang="de-DE" dirty="0"/>
+              <a:t>: Museumskomplex baut sich zusammen aus </a:t>
+            </a:r>
+            <a:r>
+              <a:rPr lang="de-DE" dirty="0" err="1"/>
+              <a:t>HdbG</a:t>
+            </a:r>
+            <a:r>
+              <a:rPr lang="de-DE" dirty="0"/>
+              <a:t>, </a:t>
+            </a:r>
+            <a:r>
+              <a:rPr lang="de-DE" dirty="0" err="1"/>
+              <a:t>Bavariathek</a:t>
+            </a:r>
+            <a:r>
+              <a:rPr lang="de-DE" dirty="0"/>
+              <a:t> und dem </a:t>
+            </a:r>
+            <a:r>
+              <a:rPr lang="de-DE" dirty="0" err="1"/>
+              <a:t>österreischen</a:t>
+            </a:r>
+            <a:r>
+              <a:rPr lang="de-DE" dirty="0"/>
+              <a:t> Stadel( Depot) </a:t>
+            </a:r>
+          </a:p>
+          <a:p>
+            <a:r>
+              <a:rPr lang="de-DE" dirty="0"/>
+              <a:t>: </a:t>
+            </a:r>
+            <a:r>
+              <a:rPr lang="de-DE" dirty="0" err="1"/>
+              <a:t>Bavariathek</a:t>
+            </a:r>
+            <a:r>
+              <a:rPr lang="de-DE" dirty="0"/>
+              <a:t> fungiert als Bindeglied zwischen Stadel und </a:t>
+            </a:r>
+            <a:r>
+              <a:rPr lang="de-DE" dirty="0" err="1"/>
+              <a:t>HdbG</a:t>
+            </a:r>
+            <a:r>
+              <a:rPr lang="de-DE" dirty="0"/>
+              <a:t> </a:t>
+            </a:r>
+          </a:p>
+          <a:p>
+            <a:r>
+              <a:rPr lang="de-DE" dirty="0"/>
+              <a:t>: Verwaltung des gesamten Museumskomplexes in der </a:t>
+            </a:r>
+            <a:r>
+              <a:rPr lang="de-DE" dirty="0" err="1"/>
+              <a:t>Bavariathek</a:t>
+            </a:r>
+            <a:endParaRPr lang="de-DE" dirty="0"/>
+          </a:p>
         </p:txBody>
       </p:sp>
       <p:sp>
@@ -1011,7 +1090,10 @@
           <a:bodyPr/>
           <a:lstStyle/>
           <a:p>
-            <a:endParaRPr lang="de-DE" dirty="0"/>
+            <a:r>
+              <a:rPr lang="de-DE" dirty="0"/>
+              <a:t>: </a:t>
+            </a:r>
           </a:p>
         </p:txBody>
       </p:sp>
@@ -1186,7 +1268,95 @@
           <a:p>
             <a:r>
               <a:rPr lang="de-DE" dirty="0"/>
-              <a:t>Modellierung Grundriss bzw. äußere Hülle</a:t>
+              <a:t>Modellierung Grundriss bzw. äußere Hülle,  </a:t>
+            </a:r>
+            <a:r>
+              <a:rPr lang="de-DE" dirty="0" err="1"/>
+              <a:t>Detailierte</a:t>
+            </a:r>
+            <a:r>
+              <a:rPr lang="de-DE" dirty="0"/>
+              <a:t> Modellierung des Projektraums. </a:t>
+            </a:r>
+          </a:p>
+          <a:p>
+            <a:r>
+              <a:rPr lang="de-DE" dirty="0"/>
+              <a:t>Entwurf von </a:t>
+            </a:r>
+            <a:r>
+              <a:rPr lang="de-DE" dirty="0" err="1"/>
+              <a:t>Placeholder</a:t>
+            </a:r>
+            <a:r>
+              <a:rPr lang="de-DE" dirty="0"/>
+              <a:t> Assets mit welchen die </a:t>
+            </a:r>
+            <a:r>
+              <a:rPr lang="de-DE" dirty="0" err="1"/>
+              <a:t>Bavariathek</a:t>
+            </a:r>
+            <a:r>
+              <a:rPr lang="de-DE" dirty="0"/>
+              <a:t> weiterarbeiten kann; Stühle, Tische, Podium mit </a:t>
+            </a:r>
+            <a:r>
+              <a:rPr lang="de-DE" dirty="0" err="1"/>
+              <a:t>Microfon</a:t>
+            </a:r>
+            <a:r>
+              <a:rPr lang="de-DE" dirty="0"/>
+              <a:t>?, Präsentationsmaterial (ggf. Platzhalter „Kunst)</a:t>
+            </a:r>
+          </a:p>
+          <a:p>
+            <a:endParaRPr lang="de-DE" dirty="0"/>
+          </a:p>
+          <a:p>
+            <a:r>
+              <a:rPr lang="de-DE" dirty="0"/>
+              <a:t>Eventueller Entwurf eines UI mit einer Game Engine zum Platzieren der erstellten </a:t>
+            </a:r>
+            <a:r>
+              <a:rPr lang="de-DE" dirty="0" err="1"/>
+              <a:t>Beispielassets</a:t>
+            </a:r>
+            <a:r>
+              <a:rPr lang="de-DE" dirty="0"/>
+              <a:t> (Stichwort: Planungstool). Wird nur gemacht, wenn noch Zeit übrig ist (unwahrscheinlich) </a:t>
+            </a:r>
+          </a:p>
+          <a:p>
+            <a:endParaRPr lang="de-DE" dirty="0"/>
+          </a:p>
+          <a:p>
+            <a:r>
+              <a:rPr lang="de-DE" dirty="0"/>
+              <a:t>Ansonsten ist das Projektziel eine fertige </a:t>
+            </a:r>
+            <a:r>
+              <a:rPr lang="de-DE" dirty="0" err="1"/>
+              <a:t>Blenderdatei</a:t>
+            </a:r>
+            <a:r>
+              <a:rPr lang="de-DE" dirty="0"/>
+              <a:t> für den Stakeholder (Hr. </a:t>
+            </a:r>
+            <a:r>
+              <a:rPr lang="de-DE" dirty="0" err="1"/>
+              <a:t>Wasweiß</a:t>
+            </a:r>
+            <a:r>
+              <a:rPr lang="de-DE" dirty="0"/>
+              <a:t> ich von der </a:t>
+            </a:r>
+            <a:r>
+              <a:rPr lang="de-DE" dirty="0" err="1"/>
+              <a:t>Bavariathek</a:t>
+            </a:r>
+            <a:r>
+              <a:rPr lang="de-DE" dirty="0"/>
+              <a:t>) </a:t>
             </a:r>
           </a:p>
         </p:txBody>
@@ -1274,7 +1444,7 @@
           <a:p>
             <a:r>
               <a:rPr lang="de-DE" dirty="0"/>
-              <a:t>Was ist der Projektraum?</a:t>
+              <a:t>Was ist der Projektraum? Vermutlich werden hier die Schulklassen eingeladen, oder? </a:t>
             </a:r>
           </a:p>
           <a:p>
@@ -1316,6 +1486,98 @@
     <p:extLst>
       <p:ext uri="{BB962C8B-B14F-4D97-AF65-F5344CB8AC3E}">
         <p14:creationId xmlns:p14="http://schemas.microsoft.com/office/powerpoint/2010/main" val="2737177256"/>
+      </p:ext>
+    </p:extLst>
+  </p:cSld>
+  <p:clrMapOvr>
+    <a:masterClrMapping/>
+  </p:clrMapOvr>
+</p:notes>
+</file>
+
+<file path=ppt/notesSlides/notesSlide8.xml><?xml version="1.0" encoding="utf-8"?>
+<p:notes xmlns:a="http://schemas.openxmlformats.org/drawingml/2006/main" xmlns:r="http://schemas.openxmlformats.org/officeDocument/2006/relationships" xmlns:p="http://schemas.openxmlformats.org/presentationml/2006/main">
+  <p:cSld>
+    <p:spTree>
+      <p:nvGrpSpPr>
+        <p:cNvPr id="1" name=""/>
+        <p:cNvGrpSpPr/>
+        <p:nvPr/>
+      </p:nvGrpSpPr>
+      <p:grpSpPr>
+        <a:xfrm>
+          <a:off x="0" y="0"/>
+          <a:ext cx="0" cy="0"/>
+          <a:chOff x="0" y="0"/>
+          <a:chExt cx="0" cy="0"/>
+        </a:xfrm>
+      </p:grpSpPr>
+      <p:sp>
+        <p:nvSpPr>
+          <p:cNvPr id="2" name="Folienbildplatzhalter 1"/>
+          <p:cNvSpPr>
+            <a:spLocks noGrp="1" noRot="1" noChangeAspect="1"/>
+          </p:cNvSpPr>
+          <p:nvPr>
+            <p:ph type="sldImg"/>
+          </p:nvPr>
+        </p:nvSpPr>
+        <p:spPr/>
+      </p:sp>
+      <p:sp>
+        <p:nvSpPr>
+          <p:cNvPr id="3" name="Notizenplatzhalter 2"/>
+          <p:cNvSpPr>
+            <a:spLocks noGrp="1"/>
+          </p:cNvSpPr>
+          <p:nvPr>
+            <p:ph type="body" idx="1"/>
+          </p:nvPr>
+        </p:nvSpPr>
+        <p:spPr/>
+        <p:txBody>
+          <a:bodyPr/>
+          <a:lstStyle/>
+          <a:p>
+            <a:r>
+              <a:rPr lang="de-DE" dirty="0"/>
+              <a:t>Mit Arbeitsstandard ist sowas wie Einheiten/Maßstab/usw. </a:t>
+            </a:r>
+            <a:r>
+              <a:rPr lang="de-DE"/>
+              <a:t>gemeint. </a:t>
+            </a:r>
+          </a:p>
+        </p:txBody>
+      </p:sp>
+      <p:sp>
+        <p:nvSpPr>
+          <p:cNvPr id="4" name="Foliennummernplatzhalter 3"/>
+          <p:cNvSpPr>
+            <a:spLocks noGrp="1"/>
+          </p:cNvSpPr>
+          <p:nvPr>
+            <p:ph type="sldNum" sz="quarter" idx="5"/>
+          </p:nvPr>
+        </p:nvSpPr>
+        <p:spPr/>
+        <p:txBody>
+          <a:bodyPr/>
+          <a:lstStyle/>
+          <a:p>
+            <a:fld id="{C7C1E745-E753-4EB9-8485-6560CD204B37}" type="slidenum">
+              <a:rPr lang="de-DE" smtClean="0"/>
+              <a:pPr/>
+              <a:t>11</a:t>
+            </a:fld>
+            <a:endParaRPr lang="de-DE"/>
+          </a:p>
+        </p:txBody>
+      </p:sp>
+    </p:spTree>
+    <p:extLst>
+      <p:ext uri="{BB962C8B-B14F-4D97-AF65-F5344CB8AC3E}">
+        <p14:creationId xmlns:p14="http://schemas.microsoft.com/office/powerpoint/2010/main" val="2558460530"/>
       </p:ext>
     </p:extLst>
   </p:cSld>
@@ -3255,7 +3517,54 @@
           <a:bodyPr/>
           <a:lstStyle/>
           <a:p>
-            <a:endParaRPr lang="de-DE"/>
+            <a:r>
+              <a:rPr lang="de-DE" dirty="0"/>
+              <a:t> </a:t>
+            </a:r>
+          </a:p>
+          <a:p>
+            <a:r>
+              <a:rPr lang="de-DE" dirty="0"/>
+              <a:t> - Problematik:  Subversion/</a:t>
+            </a:r>
+            <a:r>
+              <a:rPr lang="de-DE" dirty="0" err="1"/>
+              <a:t>Git</a:t>
+            </a:r>
+            <a:r>
+              <a:rPr lang="de-DE" dirty="0"/>
+              <a:t> + Blender</a:t>
+            </a:r>
+          </a:p>
+          <a:p>
+            <a:endParaRPr lang="de-DE" dirty="0"/>
+          </a:p>
+          <a:p>
+            <a:endParaRPr lang="de-DE" dirty="0"/>
+          </a:p>
+          <a:p>
+            <a:r>
+              <a:rPr lang="de-DE" dirty="0"/>
+              <a:t> - Problematik: Fehlende Referenz für Innenraum 			  Modellierung wg. Brand </a:t>
+            </a:r>
+          </a:p>
+          <a:p>
+            <a:endParaRPr lang="de-DE" dirty="0"/>
+          </a:p>
+          <a:p>
+            <a:r>
+              <a:rPr lang="de-DE" dirty="0"/>
+              <a:t> - Problematik: Begehung ggf. schwierig da immer 		  noch Baustelle (Begehung wird 			  geplant)</a:t>
+            </a:r>
+          </a:p>
+          <a:p>
+            <a:r>
+              <a:rPr lang="de-DE" dirty="0"/>
+              <a:t>	 </a:t>
+            </a:r>
+          </a:p>
+          <a:p>
+            <a:endParaRPr lang="de-DE" dirty="0"/>
           </a:p>
         </p:txBody>
       </p:sp>
@@ -3292,6 +3601,148 @@
     <p:extLst>
       <p:ext uri="{BB962C8B-B14F-4D97-AF65-F5344CB8AC3E}">
         <p14:creationId xmlns:p14="http://schemas.microsoft.com/office/powerpoint/2010/main" val="1529686996"/>
+      </p:ext>
+    </p:extLst>
+  </p:cSld>
+  <p:clrMapOvr>
+    <a:masterClrMapping/>
+  </p:clrMapOvr>
+</p:sld>
+</file>
+
+<file path=ppt/slides/slide11.xml><?xml version="1.0" encoding="utf-8"?>
+<p:sld xmlns:a="http://schemas.openxmlformats.org/drawingml/2006/main" xmlns:r="http://schemas.openxmlformats.org/officeDocument/2006/relationships" xmlns:p="http://schemas.openxmlformats.org/presentationml/2006/main">
+  <p:cSld>
+    <p:spTree>
+      <p:nvGrpSpPr>
+        <p:cNvPr id="1" name=""/>
+        <p:cNvGrpSpPr/>
+        <p:nvPr/>
+      </p:nvGrpSpPr>
+      <p:grpSpPr>
+        <a:xfrm>
+          <a:off x="0" y="0"/>
+          <a:ext cx="0" cy="0"/>
+          <a:chOff x="0" y="0"/>
+          <a:chExt cx="0" cy="0"/>
+        </a:xfrm>
+      </p:grpSpPr>
+      <p:sp>
+        <p:nvSpPr>
+          <p:cNvPr id="2" name="Titel 1">
+            <a:extLst>
+              <a:ext uri="{FF2B5EF4-FFF2-40B4-BE49-F238E27FC236}">
+                <a16:creationId xmlns:a16="http://schemas.microsoft.com/office/drawing/2014/main" id="{0AC5EEDA-0082-4CCC-9C08-0234BF9D0CEE}"/>
+              </a:ext>
+            </a:extLst>
+          </p:cNvPr>
+          <p:cNvSpPr>
+            <a:spLocks noGrp="1"/>
+          </p:cNvSpPr>
+          <p:nvPr>
+            <p:ph type="title"/>
+          </p:nvPr>
+        </p:nvSpPr>
+        <p:spPr/>
+        <p:txBody>
+          <a:bodyPr/>
+          <a:lstStyle/>
+          <a:p>
+            <a:r>
+              <a:rPr lang="de-DE" dirty="0"/>
+              <a:t>Aktueller Stand 2 </a:t>
+            </a:r>
+          </a:p>
+        </p:txBody>
+      </p:sp>
+      <p:sp>
+        <p:nvSpPr>
+          <p:cNvPr id="3" name="Inhaltsplatzhalter 2">
+            <a:extLst>
+              <a:ext uri="{FF2B5EF4-FFF2-40B4-BE49-F238E27FC236}">
+                <a16:creationId xmlns:a16="http://schemas.microsoft.com/office/drawing/2014/main" id="{48F4A44C-BD39-429F-BA0D-0C9D23A7D4E1}"/>
+              </a:ext>
+            </a:extLst>
+          </p:cNvPr>
+          <p:cNvSpPr>
+            <a:spLocks noGrp="1"/>
+          </p:cNvSpPr>
+          <p:nvPr>
+            <p:ph sz="half" idx="1"/>
+          </p:nvPr>
+        </p:nvSpPr>
+        <p:spPr/>
+        <p:txBody>
+          <a:bodyPr/>
+          <a:lstStyle/>
+          <a:p>
+            <a:r>
+              <a:rPr lang="de-DE" dirty="0"/>
+              <a:t>Vorgehen in nächster Zukunft: </a:t>
+            </a:r>
+          </a:p>
+          <a:p>
+            <a:endParaRPr lang="de-DE" dirty="0"/>
+          </a:p>
+          <a:p>
+            <a:r>
+              <a:rPr lang="de-DE" dirty="0"/>
+              <a:t>	- Lösen der Kooperationsproblematik 		  (Blender/Maya) </a:t>
+            </a:r>
+          </a:p>
+          <a:p>
+            <a:endParaRPr lang="de-DE" dirty="0"/>
+          </a:p>
+          <a:p>
+            <a:r>
+              <a:rPr lang="de-DE" dirty="0"/>
+              <a:t>	- Begehung der Baustelle</a:t>
+            </a:r>
+          </a:p>
+          <a:p>
+            <a:endParaRPr lang="de-DE" dirty="0"/>
+          </a:p>
+          <a:p>
+            <a:r>
+              <a:rPr lang="de-DE" dirty="0"/>
+              <a:t>	- Festlegen des Arbeitsstandards </a:t>
+            </a:r>
+          </a:p>
+        </p:txBody>
+      </p:sp>
+      <p:sp>
+        <p:nvSpPr>
+          <p:cNvPr id="4" name="Foliennummernplatzhalter 3">
+            <a:extLst>
+              <a:ext uri="{FF2B5EF4-FFF2-40B4-BE49-F238E27FC236}">
+                <a16:creationId xmlns:a16="http://schemas.microsoft.com/office/drawing/2014/main" id="{C1704BF7-F837-4332-81C5-133281A20C3B}"/>
+              </a:ext>
+            </a:extLst>
+          </p:cNvPr>
+          <p:cNvSpPr>
+            <a:spLocks noGrp="1"/>
+          </p:cNvSpPr>
+          <p:nvPr>
+            <p:ph type="sldNum" sz="quarter" idx="10"/>
+          </p:nvPr>
+        </p:nvSpPr>
+        <p:spPr/>
+        <p:txBody>
+          <a:bodyPr/>
+          <a:lstStyle/>
+          <a:p>
+            <a:fld id="{9BBAE405-9238-4745-AB75-58013C9D9462}" type="slidenum">
+              <a:rPr lang="de-DE" smtClean="0"/>
+              <a:t>11</a:t>
+            </a:fld>
+            <a:endParaRPr lang="de-DE" dirty="0"/>
+          </a:p>
+        </p:txBody>
+      </p:sp>
+    </p:spTree>
+    <p:extLst>
+      <p:ext uri="{BB962C8B-B14F-4D97-AF65-F5344CB8AC3E}">
+        <p14:creationId xmlns:p14="http://schemas.microsoft.com/office/powerpoint/2010/main" val="3255162679"/>
       </p:ext>
     </p:extLst>
   </p:cSld>
@@ -3339,7 +3790,7 @@
           <a:bodyPr/>
           <a:lstStyle/>
           <a:p>
-            <a:endParaRPr lang="de-DE"/>
+            <a:endParaRPr lang="de-DE" dirty="0"/>
           </a:p>
         </p:txBody>
       </p:sp>
@@ -3689,7 +4140,7 @@
         </p:blipFill>
         <p:spPr>
           <a:xfrm>
-            <a:off x="1714500" y="2487081"/>
+            <a:off x="1714500" y="1849656"/>
             <a:ext cx="5715000" cy="3648075"/>
           </a:xfrm>
         </p:spPr>
@@ -3867,7 +4318,9 @@
         </p:nvSpPr>
         <p:spPr/>
         <p:txBody>
-          <a:bodyPr/>
+          <a:bodyPr>
+            <a:normAutofit/>
+          </a:bodyPr>
           <a:lstStyle/>
           <a:p>
             <a:pPr>
@@ -3876,14 +4329,25 @@
             </a:pPr>
             <a:r>
               <a:rPr lang="de-DE" dirty="0"/>
-              <a:t>Medienarchiv mit digitalisierten historischen Beständen </a:t>
-            </a:r>
+              <a:t>Primär medienpädagogisches Schulungszentrum</a:t>
+            </a:r>
+          </a:p>
+          <a:p>
+            <a:pPr indent="0"/>
+            <a:endParaRPr lang="de-DE" dirty="0"/>
           </a:p>
           <a:p>
             <a:pPr>
               <a:buFontTx/>
               <a:buChar char="-"/>
             </a:pPr>
+            <a:r>
+              <a:rPr lang="de-DE" dirty="0"/>
+              <a:t>Medienarchiv mit digitalisierten historischen Beständen </a:t>
+            </a:r>
+          </a:p>
+          <a:p>
+            <a:pPr indent="0"/>
             <a:endParaRPr lang="de-DE" dirty="0"/>
           </a:p>
           <a:p>
@@ -3897,10 +4361,7 @@
             </a:r>
           </a:p>
           <a:p>
-            <a:pPr>
-              <a:buFontTx/>
-              <a:buChar char="-"/>
-            </a:pPr>
+            <a:pPr indent="0"/>
             <a:endParaRPr lang="de-DE" dirty="0"/>
           </a:p>
           <a:p>

--- a/docs/Zwischenpräsentation Jan/Präsentation Bavariathek.pptx
+++ b/docs/Zwischenpräsentation Jan/Präsentation Bavariathek.pptx
@@ -856,69 +856,6 @@
               <a:t> Mai 2019</a:t>
             </a:r>
           </a:p>
-          <a:p>
-            <a:r>
-              <a:rPr lang="de-DE" dirty="0"/>
-              <a:t>: Museumskomplex baut sich zusammen aus </a:t>
-            </a:r>
-            <a:r>
-              <a:rPr lang="de-DE" dirty="0" err="1"/>
-              <a:t>HdbG</a:t>
-            </a:r>
-            <a:r>
-              <a:rPr lang="de-DE" dirty="0"/>
-              <a:t>, </a:t>
-            </a:r>
-            <a:r>
-              <a:rPr lang="de-DE" dirty="0" err="1"/>
-              <a:t>Bavariathek</a:t>
-            </a:r>
-            <a:r>
-              <a:rPr lang="de-DE" dirty="0"/>
-              <a:t> und dem </a:t>
-            </a:r>
-            <a:r>
-              <a:rPr lang="de-DE" dirty="0" err="1"/>
-              <a:t>österreischen</a:t>
-            </a:r>
-            <a:r>
-              <a:rPr lang="de-DE" dirty="0"/>
-              <a:t> Stadel( Depot) </a:t>
-            </a:r>
-          </a:p>
-          <a:p>
-            <a:r>
-              <a:rPr lang="de-DE" dirty="0"/>
-              <a:t>: </a:t>
-            </a:r>
-            <a:r>
-              <a:rPr lang="de-DE" dirty="0" err="1"/>
-              <a:t>Bavariathek</a:t>
-            </a:r>
-            <a:r>
-              <a:rPr lang="de-DE" dirty="0"/>
-              <a:t> fungiert als Bindeglied zwischen Stadel und </a:t>
-            </a:r>
-            <a:r>
-              <a:rPr lang="de-DE" dirty="0" err="1"/>
-              <a:t>HdbG</a:t>
-            </a:r>
-            <a:r>
-              <a:rPr lang="de-DE" dirty="0"/>
-              <a:t> </a:t>
-            </a:r>
-          </a:p>
-          <a:p>
-            <a:r>
-              <a:rPr lang="de-DE" dirty="0"/>
-              <a:t>: Verwaltung des gesamten Museumskomplexes in der </a:t>
-            </a:r>
-            <a:r>
-              <a:rPr lang="de-DE" dirty="0" err="1"/>
-              <a:t>Bavariathek</a:t>
-            </a:r>
-            <a:endParaRPr lang="de-DE" dirty="0"/>
-          </a:p>
         </p:txBody>
       </p:sp>
       <p:sp>
@@ -1004,7 +941,83 @@
           <a:p>
             <a:r>
               <a:rPr lang="de-DE" dirty="0"/>
-              <a:t>Luftbild mit Aufteilungen </a:t>
+              <a:t>Luftbild mit Aufteilung</a:t>
+            </a:r>
+          </a:p>
+          <a:p>
+            <a:endParaRPr lang="de-DE" dirty="0"/>
+          </a:p>
+          <a:p>
+            <a:r>
+              <a:rPr lang="de-DE" dirty="0"/>
+              <a:t>: Museumskomplex baut sich zusammen aus </a:t>
+            </a:r>
+            <a:r>
+              <a:rPr lang="de-DE" dirty="0" err="1"/>
+              <a:t>HdbG</a:t>
+            </a:r>
+            <a:r>
+              <a:rPr lang="de-DE" dirty="0"/>
+              <a:t>, </a:t>
+            </a:r>
+            <a:r>
+              <a:rPr lang="de-DE" dirty="0" err="1"/>
+              <a:t>Bavariathek</a:t>
+            </a:r>
+            <a:r>
+              <a:rPr lang="de-DE" dirty="0"/>
+              <a:t> und dem </a:t>
+            </a:r>
+            <a:r>
+              <a:rPr lang="de-DE" dirty="0" err="1"/>
+              <a:t>österreischen</a:t>
+            </a:r>
+            <a:r>
+              <a:rPr lang="de-DE" dirty="0"/>
+              <a:t> Stadel( Depot) </a:t>
+            </a:r>
+          </a:p>
+          <a:p>
+            <a:r>
+              <a:rPr lang="de-DE" dirty="0"/>
+              <a:t>: </a:t>
+            </a:r>
+            <a:r>
+              <a:rPr lang="de-DE" dirty="0" err="1"/>
+              <a:t>Bavariathek</a:t>
+            </a:r>
+            <a:r>
+              <a:rPr lang="de-DE" dirty="0"/>
+              <a:t> fungiert als Bindeglied zwischen Stadel und </a:t>
+            </a:r>
+            <a:r>
+              <a:rPr lang="de-DE" dirty="0" err="1"/>
+              <a:t>HdbG</a:t>
+            </a:r>
+            <a:r>
+              <a:rPr lang="de-DE" dirty="0"/>
+              <a:t> </a:t>
+            </a:r>
+          </a:p>
+          <a:p>
+            <a:r>
+              <a:rPr lang="de-DE" dirty="0"/>
+              <a:t>: Verwaltung des gesamten Museumskomplexes in der </a:t>
+            </a:r>
+            <a:r>
+              <a:rPr lang="de-DE" dirty="0" err="1"/>
+              <a:t>Bavariathek</a:t>
+            </a:r>
+            <a:endParaRPr lang="de-DE" dirty="0"/>
+          </a:p>
+          <a:p>
+            <a:r>
+              <a:rPr lang="de-DE" dirty="0" err="1"/>
+              <a:t>ngen</a:t>
+            </a:r>
+            <a:r>
+              <a:rPr lang="de-DE" dirty="0"/>
+              <a:t> </a:t>
             </a:r>
           </a:p>
         </p:txBody>
@@ -1276,37 +1289,7 @@
             </a:r>
             <a:r>
               <a:rPr lang="de-DE" dirty="0"/>
-              <a:t> Modellierung des Projektraums. </a:t>
-            </a:r>
-          </a:p>
-          <a:p>
-            <a:r>
-              <a:rPr lang="de-DE" dirty="0"/>
-              <a:t>Entwurf von </a:t>
-            </a:r>
-            <a:r>
-              <a:rPr lang="de-DE" dirty="0" err="1"/>
-              <a:t>Placeholder</a:t>
-            </a:r>
-            <a:r>
-              <a:rPr lang="de-DE" dirty="0"/>
-              <a:t> Assets mit welchen die </a:t>
-            </a:r>
-            <a:r>
-              <a:rPr lang="de-DE" dirty="0" err="1"/>
-              <a:t>Bavariathek</a:t>
-            </a:r>
-            <a:r>
-              <a:rPr lang="de-DE" dirty="0"/>
-              <a:t> weiterarbeiten kann; Stühle, Tische, Podium mit </a:t>
-            </a:r>
-            <a:r>
-              <a:rPr lang="de-DE" dirty="0" err="1"/>
-              <a:t>Microfon</a:t>
-            </a:r>
-            <a:r>
-              <a:rPr lang="de-DE" dirty="0"/>
-              <a:t>?, Präsentationsmaterial (ggf. Platzhalter „Kunst)</a:t>
+              <a:t> Modellierung des Projektraums. (Später mehr)</a:t>
             </a:r>
           </a:p>
           <a:p>
@@ -1444,7 +1427,15 @@
           <a:p>
             <a:r>
               <a:rPr lang="de-DE" dirty="0"/>
-              <a:t>Was ist der Projektraum? Vermutlich werden hier die Schulklassen eingeladen, oder? </a:t>
+              <a:t>Der Projektraum soll </a:t>
+            </a:r>
+            <a:r>
+              <a:rPr lang="de-DE" dirty="0" err="1"/>
+              <a:t>detailierter</a:t>
+            </a:r>
+            <a:r>
+              <a:rPr lang="de-DE" dirty="0"/>
+              <a:t> dargestellt werden als die Restlichen Räume.</a:t>
             </a:r>
           </a:p>
           <a:p>
@@ -1453,8 +1444,65 @@
           <a:p>
             <a:r>
               <a:rPr lang="de-DE" dirty="0"/>
-              <a:t>Was wird darin ausgestellt.</a:t>
-            </a:r>
+              <a:t>Hier sollen in Zukunft z.B. Projekte von Schülern vorgestellt, Plakate ausgehängt oder Präsentationen vorbereitet werden.</a:t>
+            </a:r>
+          </a:p>
+          <a:p>
+            <a:endParaRPr lang="de-DE" dirty="0"/>
+          </a:p>
+          <a:p>
+            <a:pPr marL="0" marR="0" lvl="0" indent="0" algn="l" defTabSz="914400" rtl="0" eaLnBrk="1" fontAlgn="auto" latinLnBrk="0" hangingPunct="1">
+              <a:lnSpc>
+                <a:spcPct val="100000"/>
+              </a:lnSpc>
+              <a:spcBef>
+                <a:spcPts val="0"/>
+              </a:spcBef>
+              <a:spcAft>
+                <a:spcPts val="0"/>
+              </a:spcAft>
+              <a:buClrTx/>
+              <a:buSzTx/>
+              <a:buFontTx/>
+              <a:buNone/>
+              <a:tabLst/>
+              <a:defRPr/>
+            </a:pPr>
+            <a:r>
+              <a:rPr lang="de-DE" dirty="0"/>
+              <a:t>Entwurf von </a:t>
+            </a:r>
+            <a:r>
+              <a:rPr lang="de-DE" dirty="0" err="1"/>
+              <a:t>Placeholder</a:t>
+            </a:r>
+            <a:r>
+              <a:rPr lang="de-DE" dirty="0"/>
+              <a:t> Assets mit welchen die </a:t>
+            </a:r>
+            <a:r>
+              <a:rPr lang="de-DE" dirty="0" err="1"/>
+              <a:t>Bavariathek</a:t>
+            </a:r>
+            <a:r>
+              <a:rPr lang="de-DE" dirty="0"/>
+              <a:t> weiterarbeiten kann; Stühle, Tische, Podium mit </a:t>
+            </a:r>
+            <a:r>
+              <a:rPr lang="de-DE" dirty="0" err="1"/>
+              <a:t>Microfon</a:t>
+            </a:r>
+            <a:r>
+              <a:rPr lang="de-DE" dirty="0"/>
+              <a:t>?, Präsentationsmaterial (ggf. </a:t>
+            </a:r>
+            <a:r>
+              <a:rPr lang="de-DE"/>
+              <a:t>Platzhalter „Kunst)</a:t>
+            </a:r>
+          </a:p>
+          <a:p>
+            <a:endParaRPr lang="de-DE" dirty="0"/>
           </a:p>
         </p:txBody>
       </p:sp>

--- a/docs/Zwischenpräsentation Jan/Präsentation Bavariathek.pptx
+++ b/docs/Zwischenpräsentation Jan/Präsentation Bavariathek.pptx
@@ -980,6 +980,25 @@
           <a:p>
             <a:r>
               <a:rPr lang="de-DE" dirty="0"/>
+              <a:t>: Museum/</a:t>
+            </a:r>
+            <a:r>
+              <a:rPr lang="de-DE" dirty="0" err="1"/>
+              <a:t>HdbG</a:t>
+            </a:r>
+            <a:r>
+              <a:rPr lang="de-DE" dirty="0"/>
+              <a:t> hat verschiedenen Ausstellungen darunter Dauerausstellungen und abwechselnde Ausstellungen über die </a:t>
+            </a:r>
+            <a:r>
+              <a:rPr lang="de-DE"/>
+              <a:t>Geschichte Bayerns</a:t>
+            </a:r>
+            <a:endParaRPr lang="de-DE" dirty="0"/>
+          </a:p>
+          <a:p>
+            <a:r>
+              <a:rPr lang="de-DE" dirty="0"/>
               <a:t>: </a:t>
             </a:r>
             <a:r>
@@ -1193,7 +1212,55 @@
           <a:p>
             <a:r>
               <a:rPr lang="de-DE" dirty="0"/>
-              <a:t>Teil des Museumskomplex an der Donau (Haus der bay. Geschichte)</a:t>
+              <a:t>Medienarchiv mit digitalisierten historischen Beständen</a:t>
+            </a:r>
+          </a:p>
+          <a:p>
+            <a:endParaRPr lang="de-DE" dirty="0"/>
+          </a:p>
+          <a:p>
+            <a:r>
+              <a:rPr lang="de-DE" dirty="0"/>
+              <a:t>Soll nach Fertigstellung ein attraktives Online-Angebot haben</a:t>
+            </a:r>
+          </a:p>
+          <a:p>
+            <a:r>
+              <a:rPr lang="de-DE" dirty="0"/>
+              <a:t>-&gt; Museum immer und überall zugänglich</a:t>
+            </a:r>
+          </a:p>
+          <a:p>
+            <a:endParaRPr lang="de-DE" dirty="0"/>
+          </a:p>
+          <a:p>
+            <a:r>
+              <a:rPr lang="de-DE" dirty="0"/>
+              <a:t>Allerdings primär ein medienpädagogisches Schulungszentrum</a:t>
+            </a:r>
+          </a:p>
+          <a:p>
+            <a:endParaRPr lang="de-DE" dirty="0"/>
+          </a:p>
+          <a:p>
+            <a:r>
+              <a:rPr lang="de-DE" dirty="0"/>
+              <a:t>Hat museums- und medienpädagogisches Programm</a:t>
+            </a:r>
+          </a:p>
+          <a:p>
+            <a:r>
+              <a:rPr lang="de-DE" dirty="0"/>
+              <a:t>-&gt; Förderung von interaktivem und digitalem Lernen</a:t>
+            </a:r>
+          </a:p>
+          <a:p>
+            <a:endParaRPr lang="de-DE" dirty="0"/>
+          </a:p>
+          <a:p>
+            <a:r>
+              <a:rPr lang="de-DE" dirty="0"/>
+              <a:t>Versuch der  Vernetzung von Wissenschaft und Kultur</a:t>
             </a:r>
           </a:p>
         </p:txBody>
@@ -3992,7 +4059,7 @@
           <a:bodyPr/>
           <a:lstStyle/>
           <a:p>
-            <a:endParaRPr lang="de-DE"/>
+            <a:endParaRPr lang="de-DE" dirty="0"/>
           </a:p>
         </p:txBody>
       </p:sp>
@@ -4367,9 +4434,13 @@
         <p:spPr/>
         <p:txBody>
           <a:bodyPr>
-            <a:normAutofit/>
+            <a:normAutofit lnSpcReduction="10000"/>
           </a:bodyPr>
           <a:lstStyle/>
+          <a:p>
+            <a:pPr indent="0"/>
+            <a:endParaRPr lang="de-DE" dirty="0"/>
+          </a:p>
           <a:p>
             <a:pPr>
               <a:buFontTx/>
@@ -4377,7 +4448,7 @@
             </a:pPr>
             <a:r>
               <a:rPr lang="de-DE" dirty="0"/>
-              <a:t>Primär medienpädagogisches Schulungszentrum</a:t>
+              <a:t>Medienarchiv mit digitalisierten historischen Beständen </a:t>
             </a:r>
           </a:p>
           <a:p>
@@ -4391,25 +4462,14 @@
             </a:pPr>
             <a:r>
               <a:rPr lang="de-DE" dirty="0"/>
-              <a:t>Medienarchiv mit digitalisierten historischen Beständen </a:t>
-            </a:r>
-          </a:p>
-          <a:p>
-            <a:pPr indent="0"/>
-            <a:endParaRPr lang="de-DE" dirty="0"/>
+              <a:t>attraktives Online-Angebot, das das Museum immer und überall zugänglich macht </a:t>
+            </a:r>
           </a:p>
           <a:p>
             <a:pPr>
               <a:buFontTx/>
               <a:buChar char="-"/>
             </a:pPr>
-            <a:r>
-              <a:rPr lang="de-DE" dirty="0"/>
-              <a:t>attraktives Online-Angebot, das das Museum immer und überall zugänglich macht </a:t>
-            </a:r>
-          </a:p>
-          <a:p>
-            <a:pPr indent="0"/>
             <a:endParaRPr lang="de-DE" dirty="0"/>
           </a:p>
           <a:p>
@@ -4417,9 +4477,31 @@
               <a:buFontTx/>
               <a:buChar char="-"/>
             </a:pPr>
-            <a:r>
-              <a:rPr lang="de-DE" dirty="0"/>
-              <a:t>ein museums- und medienpädagogisches Programm, das interaktives und digitales Lernen fördert</a:t>
+            <a:endParaRPr lang="de-DE" dirty="0"/>
+          </a:p>
+          <a:p>
+            <a:pPr>
+              <a:buFontTx/>
+              <a:buChar char="-"/>
+            </a:pPr>
+            <a:r>
+              <a:rPr lang="de-DE" dirty="0"/>
+              <a:t>Primär medienpädagogisches Schulungszentrum</a:t>
+            </a:r>
+          </a:p>
+          <a:p>
+            <a:pPr indent="0"/>
+            <a:endParaRPr lang="de-DE" dirty="0"/>
+          </a:p>
+          <a:p>
+            <a:pPr indent="0"/>
+            <a:endParaRPr lang="de-DE" dirty="0"/>
+          </a:p>
+          <a:p>
+            <a:pPr indent="0"/>
+            <a:r>
+              <a:rPr lang="de-DE" dirty="0"/>
+              <a:t>-  ein museums- und medienpädagogisches Programm, das interaktives und digitales Lernen fördert</a:t>
             </a:r>
           </a:p>
         </p:txBody>
@@ -4506,7 +4588,7 @@
           <a:p>
             <a:r>
               <a:rPr lang="de-DE" dirty="0" err="1"/>
-              <a:t>Baviariathek</a:t>
+              <a:t>Bavariathek</a:t>
             </a:r>
             <a:endParaRPr lang="de-DE" dirty="0"/>
           </a:p>
@@ -4530,7 +4612,9 @@
         </p:nvSpPr>
         <p:spPr/>
         <p:txBody>
-          <a:bodyPr/>
+          <a:bodyPr>
+            <a:normAutofit fontScale="92500" lnSpcReduction="20000"/>
+          </a:bodyPr>
           <a:lstStyle/>
           <a:p>
             <a:pPr>
@@ -4577,14 +4661,18 @@
             <a:endParaRPr lang="de-DE" dirty="0"/>
           </a:p>
           <a:p>
+            <a:pPr indent="0"/>
+            <a:r>
+              <a:rPr lang="de-DE" dirty="0"/>
+              <a:t>Besonders attraktiv für Schulklassen/ Schulprojekte mit Bezug zur bayrischen Geschichte:</a:t>
+            </a:r>
+          </a:p>
+          <a:p>
             <a:pPr>
               <a:buFontTx/>
               <a:buChar char="-"/>
             </a:pPr>
-            <a:r>
-              <a:rPr lang="de-DE" dirty="0"/>
-              <a:t>Besonders attraktiv für Schulklassen/ Schulprojekte mit Bezug zur bayrischen Geschichte</a:t>
-            </a:r>
+            <a:endParaRPr lang="de-DE" dirty="0"/>
           </a:p>
           <a:p>
             <a:pPr>
@@ -4594,6 +4682,16 @@
             <a:r>
               <a:rPr lang="de-DE" dirty="0"/>
               <a:t>Möglichkeit zum Präsentieren und Ausstellen von Projekten</a:t>
+            </a:r>
+          </a:p>
+          <a:p>
+            <a:pPr>
+              <a:buFontTx/>
+              <a:buChar char="-"/>
+            </a:pPr>
+            <a:r>
+              <a:rPr lang="de-DE" dirty="0"/>
+              <a:t>Lernen von Medienkompetenz und des Umgangs mit digitalen Werkzeugen </a:t>
             </a:r>
           </a:p>
         </p:txBody>
